--- a/Рузаевка390.pptx
+++ b/Рузаевка390.pptx
@@ -302,7 +302,7 @@
           <a:p>
             <a:fld id="{B4C71EC6-210F-42DE-9C53-41977AD35B3D}" type="datetimeFigureOut">
               <a:rPr lang="ru-RU" smtClean="0"/>
-              <a:t>12.11.2021</a:t>
+              <a:t>14.11.2021</a:t>
             </a:fld>
             <a:endParaRPr lang="ru-RU"/>
           </a:p>
@@ -467,7 +467,7 @@
           <a:p>
             <a:fld id="{B4C71EC6-210F-42DE-9C53-41977AD35B3D}" type="datetimeFigureOut">
               <a:rPr lang="ru-RU" smtClean="0"/>
-              <a:t>12.11.2021</a:t>
+              <a:t>14.11.2021</a:t>
             </a:fld>
             <a:endParaRPr lang="ru-RU"/>
           </a:p>
@@ -642,7 +642,7 @@
           <a:p>
             <a:fld id="{B4C71EC6-210F-42DE-9C53-41977AD35B3D}" type="datetimeFigureOut">
               <a:rPr lang="ru-RU" smtClean="0"/>
-              <a:t>12.11.2021</a:t>
+              <a:t>14.11.2021</a:t>
             </a:fld>
             <a:endParaRPr lang="ru-RU"/>
           </a:p>
@@ -807,7 +807,7 @@
           <a:p>
             <a:fld id="{B4C71EC6-210F-42DE-9C53-41977AD35B3D}" type="datetimeFigureOut">
               <a:rPr lang="ru-RU" smtClean="0"/>
-              <a:t>12.11.2021</a:t>
+              <a:t>14.11.2021</a:t>
             </a:fld>
             <a:endParaRPr lang="ru-RU"/>
           </a:p>
@@ -1046,7 +1046,7 @@
           <a:p>
             <a:fld id="{B4C71EC6-210F-42DE-9C53-41977AD35B3D}" type="datetimeFigureOut">
               <a:rPr lang="ru-RU" smtClean="0"/>
-              <a:t>12.11.2021</a:t>
+              <a:t>14.11.2021</a:t>
             </a:fld>
             <a:endParaRPr lang="ru-RU"/>
           </a:p>
@@ -1136,7 +1136,7 @@
           <a:p>
             <a:fld id="{B4C71EC6-210F-42DE-9C53-41977AD35B3D}" type="datetimeFigureOut">
               <a:rPr lang="ru-RU" smtClean="0"/>
-              <a:t>12.11.2021</a:t>
+              <a:t>14.11.2021</a:t>
             </a:fld>
             <a:endParaRPr lang="ru-RU"/>
           </a:p>
@@ -1510,7 +1510,7 @@
           <a:p>
             <a:fld id="{B4C71EC6-210F-42DE-9C53-41977AD35B3D}" type="datetimeFigureOut">
               <a:rPr lang="ru-RU" smtClean="0"/>
-              <a:t>12.11.2021</a:t>
+              <a:t>14.11.2021</a:t>
             </a:fld>
             <a:endParaRPr lang="ru-RU"/>
           </a:p>
@@ -1765,7 +1765,7 @@
           <a:p>
             <a:fld id="{B4C71EC6-210F-42DE-9C53-41977AD35B3D}" type="datetimeFigureOut">
               <a:rPr lang="ru-RU" smtClean="0"/>
-              <a:t>12.11.2021</a:t>
+              <a:t>14.11.2021</a:t>
             </a:fld>
             <a:endParaRPr lang="ru-RU"/>
           </a:p>
@@ -1855,7 +1855,7 @@
           <a:p>
             <a:fld id="{B4C71EC6-210F-42DE-9C53-41977AD35B3D}" type="datetimeFigureOut">
               <a:rPr lang="ru-RU" smtClean="0"/>
-              <a:t>12.11.2021</a:t>
+              <a:t>14.11.2021</a:t>
             </a:fld>
             <a:endParaRPr lang="ru-RU"/>
           </a:p>
@@ -2129,7 +2129,7 @@
           <a:p>
             <a:fld id="{B4C71EC6-210F-42DE-9C53-41977AD35B3D}" type="datetimeFigureOut">
               <a:rPr lang="ru-RU" smtClean="0"/>
-              <a:t>12.11.2021</a:t>
+              <a:t>14.11.2021</a:t>
             </a:fld>
             <a:endParaRPr lang="ru-RU"/>
           </a:p>
@@ -2401,7 +2401,7 @@
           <a:p>
             <a:fld id="{B4C71EC6-210F-42DE-9C53-41977AD35B3D}" type="datetimeFigureOut">
               <a:rPr lang="ru-RU" smtClean="0"/>
-              <a:t>12.11.2021</a:t>
+              <a:t>14.11.2021</a:t>
             </a:fld>
             <a:endParaRPr lang="ru-RU"/>
           </a:p>
@@ -2701,7 +2701,7 @@
           <a:p>
             <a:fld id="{B4C71EC6-210F-42DE-9C53-41977AD35B3D}" type="datetimeFigureOut">
               <a:rPr lang="ru-RU" smtClean="0"/>
-              <a:t>12.11.2021</a:t>
+              <a:t>14.11.2021</a:t>
             </a:fld>
             <a:endParaRPr lang="ru-RU"/>
           </a:p>
@@ -4234,11 +4234,7 @@
             </a:r>
             <a:r>
               <a:rPr lang="ru-RU" dirty="0" smtClean="0"/>
-              <a:t> настроек, а </a:t>
-            </a:r>
-            <a:r>
-              <a:rPr lang="ru-RU" dirty="0" smtClean="0"/>
-              <a:t>также восстанавливать настройки по умолчанию</a:t>
+              <a:t> настроек, а также восстанавливать настройки по умолчанию</a:t>
             </a:r>
             <a:endParaRPr lang="ru-RU" dirty="0"/>
           </a:p>
